--- a/Sarkadi Kristóf Stefán/Osztályok, objektumok.pptx
+++ b/Sarkadi Kristóf Stefán/Osztályok, objektumok.pptx
@@ -116,6 +116,11 @@
       </a:defRPr>
     </a:lvl9pPr>
   </p:defaultTextStyle>
+  <p:extLst>
+    <p:ext uri="{EFAFB233-063F-42B5-8137-9DF3F51BA10A}">
+      <p15:sldGuideLst xmlns:p15="http://schemas.microsoft.com/office/powerpoint/2012/main"/>
+    </p:ext>
+  </p:extLst>
 </p:presentation>
 </file>
 
@@ -5832,7 +5837,15 @@
           <a:p>
             <a:r>
               <a:rPr lang="hu-HU" sz="2400" dirty="0"/>
-              <a:t>Elérés és módosítók készítette: Kristó Sarkadi</a:t>
+              <a:t>Elérés és módosítók készítette</a:t>
+            </a:r>
+            <a:r>
+              <a:rPr lang="hu-HU" sz="2400"/>
+              <a:t>: Kristóf </a:t>
+            </a:r>
+            <a:r>
+              <a:rPr lang="hu-HU" sz="2400" dirty="0"/>
+              <a:t>Sarkadi</a:t>
             </a:r>
           </a:p>
         </p:txBody>
